--- a/设计思路.pptx
+++ b/设计思路.pptx
@@ -4612,15 +4612,15 @@
         </p:spPr>
         <p:style>
           <a:lnRef idx="2">
-            <a:schemeClr val="accent3">
+            <a:schemeClr val="dk1">
               <a:shade val="50000"/>
             </a:schemeClr>
           </a:lnRef>
           <a:fillRef idx="1">
-            <a:schemeClr val="accent3"/>
+            <a:schemeClr val="dk1"/>
           </a:fillRef>
           <a:effectRef idx="0">
-            <a:schemeClr val="accent3"/>
+            <a:schemeClr val="dk1"/>
           </a:effectRef>
           <a:fontRef idx="minor">
             <a:schemeClr val="lt1"/>
@@ -4737,18 +4737,16 @@
         </p:spPr>
         <p:style>
           <a:lnRef idx="2">
-            <a:schemeClr val="accent1">
-              <a:shade val="50000"/>
-            </a:schemeClr>
+            <a:schemeClr val="accent5"/>
           </a:lnRef>
           <a:fillRef idx="1">
-            <a:schemeClr val="accent1"/>
+            <a:schemeClr val="lt1"/>
           </a:fillRef>
           <a:effectRef idx="0">
-            <a:schemeClr val="accent1"/>
+            <a:schemeClr val="accent5"/>
           </a:effectRef>
           <a:fontRef idx="minor">
-            <a:schemeClr val="lt1"/>
+            <a:schemeClr val="dk1"/>
           </a:fontRef>
         </p:style>
         <p:txBody>
@@ -4833,18 +4831,16 @@
         </p:spPr>
         <p:style>
           <a:lnRef idx="2">
-            <a:schemeClr val="accent1">
-              <a:shade val="50000"/>
-            </a:schemeClr>
+            <a:schemeClr val="accent5"/>
           </a:lnRef>
           <a:fillRef idx="1">
-            <a:schemeClr val="accent1"/>
+            <a:schemeClr val="lt1"/>
           </a:fillRef>
           <a:effectRef idx="0">
-            <a:schemeClr val="accent1"/>
+            <a:schemeClr val="accent5"/>
           </a:effectRef>
           <a:fontRef idx="minor">
-            <a:schemeClr val="lt1"/>
+            <a:schemeClr val="dk1"/>
           </a:fontRef>
         </p:style>
         <p:txBody>
@@ -4929,18 +4925,16 @@
         </p:spPr>
         <p:style>
           <a:lnRef idx="2">
-            <a:schemeClr val="accent1">
-              <a:shade val="50000"/>
-            </a:schemeClr>
+            <a:schemeClr val="accent5"/>
           </a:lnRef>
           <a:fillRef idx="1">
-            <a:schemeClr val="accent1"/>
+            <a:schemeClr val="lt1"/>
           </a:fillRef>
           <a:effectRef idx="0">
-            <a:schemeClr val="accent1"/>
+            <a:schemeClr val="accent5"/>
           </a:effectRef>
           <a:fontRef idx="minor">
-            <a:schemeClr val="lt1"/>
+            <a:schemeClr val="dk1"/>
           </a:fontRef>
         </p:style>
         <p:txBody>
@@ -5111,18 +5105,16 @@
         </p:spPr>
         <p:style>
           <a:lnRef idx="2">
-            <a:schemeClr val="accent1">
-              <a:shade val="50000"/>
-            </a:schemeClr>
+            <a:schemeClr val="accent5"/>
           </a:lnRef>
           <a:fillRef idx="1">
-            <a:schemeClr val="accent1"/>
+            <a:schemeClr val="lt1"/>
           </a:fillRef>
           <a:effectRef idx="0">
-            <a:schemeClr val="accent1"/>
+            <a:schemeClr val="accent5"/>
           </a:effectRef>
           <a:fontRef idx="minor">
-            <a:schemeClr val="lt1"/>
+            <a:schemeClr val="dk1"/>
           </a:fontRef>
         </p:style>
         <p:txBody>
@@ -5207,18 +5199,16 @@
         </p:spPr>
         <p:style>
           <a:lnRef idx="2">
-            <a:schemeClr val="accent1">
-              <a:shade val="50000"/>
-            </a:schemeClr>
+            <a:schemeClr val="accent5"/>
           </a:lnRef>
           <a:fillRef idx="1">
-            <a:schemeClr val="accent1"/>
+            <a:schemeClr val="lt1"/>
           </a:fillRef>
           <a:effectRef idx="0">
-            <a:schemeClr val="accent1"/>
+            <a:schemeClr val="accent5"/>
           </a:effectRef>
           <a:fontRef idx="minor">
-            <a:schemeClr val="lt1"/>
+            <a:schemeClr val="dk1"/>
           </a:fontRef>
         </p:style>
         <p:txBody>
@@ -5546,6 +5536,66 @@
           </a:p>
         </p:txBody>
       </p:sp>
+      <p:pic>
+        <p:nvPicPr>
+          <p:cNvPr id="64" name="图片 63">
+            <a:extLst>
+              <a:ext uri="{FF2B5EF4-FFF2-40B4-BE49-F238E27FC236}">
+                <a16:creationId xmlns:a16="http://schemas.microsoft.com/office/drawing/2014/main" id="{1A990CE4-5048-44BA-A3F6-215816FF3F01}"/>
+              </a:ext>
+            </a:extLst>
+          </p:cNvPr>
+          <p:cNvPicPr>
+            <a:picLocks noChangeAspect="1"/>
+          </p:cNvPicPr>
+          <p:nvPr/>
+        </p:nvPicPr>
+        <p:blipFill>
+          <a:blip r:embed="rId2"/>
+          <a:stretch>
+            <a:fillRect/>
+          </a:stretch>
+        </p:blipFill>
+        <p:spPr>
+          <a:xfrm>
+            <a:off x="9534525" y="3767514"/>
+            <a:ext cx="1819275" cy="2676525"/>
+          </a:xfrm>
+          <a:prstGeom prst="rect">
+            <a:avLst/>
+          </a:prstGeom>
+        </p:spPr>
+      </p:pic>
+      <p:pic>
+        <p:nvPicPr>
+          <p:cNvPr id="65" name="图片 64">
+            <a:extLst>
+              <a:ext uri="{FF2B5EF4-FFF2-40B4-BE49-F238E27FC236}">
+                <a16:creationId xmlns:a16="http://schemas.microsoft.com/office/drawing/2014/main" id="{5B1C4EAE-E88C-4FD2-ACC2-0EE41C151C99}"/>
+              </a:ext>
+            </a:extLst>
+          </p:cNvPr>
+          <p:cNvPicPr>
+            <a:picLocks noChangeAspect="1"/>
+          </p:cNvPicPr>
+          <p:nvPr/>
+        </p:nvPicPr>
+        <p:blipFill>
+          <a:blip r:embed="rId3"/>
+          <a:stretch>
+            <a:fillRect/>
+          </a:stretch>
+        </p:blipFill>
+        <p:spPr>
+          <a:xfrm>
+            <a:off x="3691054" y="4412268"/>
+            <a:ext cx="3981450" cy="1695450"/>
+          </a:xfrm>
+          <a:prstGeom prst="rect">
+            <a:avLst/>
+          </a:prstGeom>
+        </p:spPr>
+      </p:pic>
     </p:spTree>
     <p:extLst>
       <p:ext uri="{BB962C8B-B14F-4D97-AF65-F5344CB8AC3E}">
